--- a/Presentazione.pptx
+++ b/Presentazione.pptx
@@ -152,6 +152,46 @@
 <file path=ppt/changesInfos/changesInfo1.xml><?xml version="1.0" encoding="utf-8"?>
 <pc:chgInfo xmlns:a="http://schemas.openxmlformats.org/drawingml/2006/main" xmlns:r="http://schemas.openxmlformats.org/officeDocument/2006/relationships" xmlns:ac="http://schemas.microsoft.com/office/drawing/2013/main/command" xmlns:pc="http://schemas.microsoft.com/office/powerpoint/2013/main/command">
   <pc:docChgLst>
+    <pc:chgData name="Andrei Daniel Ivan" userId="d3c4cde5a19fb9a3" providerId="LiveId" clId="{A6A77833-C58B-4237-AD71-6D723E100C6B}"/>
+    <pc:docChg chg="modSld">
+      <pc:chgData name="Andrei Daniel Ivan" userId="d3c4cde5a19fb9a3" providerId="LiveId" clId="{A6A77833-C58B-4237-AD71-6D723E100C6B}" dt="2019-10-10T12:09:21.282" v="20" actId="20577"/>
+      <pc:docMkLst>
+        <pc:docMk/>
+      </pc:docMkLst>
+      <pc:sldChg chg="modSp">
+        <pc:chgData name="Andrei Daniel Ivan" userId="d3c4cde5a19fb9a3" providerId="LiveId" clId="{A6A77833-C58B-4237-AD71-6D723E100C6B}" dt="2019-10-10T12:09:21.282" v="20" actId="20577"/>
+        <pc:sldMkLst>
+          <pc:docMk/>
+          <pc:sldMk cId="2242395889" sldId="257"/>
+        </pc:sldMkLst>
+        <pc:spChg chg="mod">
+          <ac:chgData name="Andrei Daniel Ivan" userId="d3c4cde5a19fb9a3" providerId="LiveId" clId="{A6A77833-C58B-4237-AD71-6D723E100C6B}" dt="2019-10-10T12:09:21.282" v="20" actId="20577"/>
+          <ac:spMkLst>
+            <pc:docMk/>
+            <pc:sldMk cId="2242395889" sldId="257"/>
+            <ac:spMk id="4" creationId="{A372732A-5502-4218-941E-F135920541BB}"/>
+          </ac:spMkLst>
+        </pc:spChg>
+      </pc:sldChg>
+    </pc:docChg>
+  </pc:docChgLst>
+  <pc:docChgLst>
+    <pc:chgData name="Andrei Daniel Ivan" userId="d3c4cde5a19fb9a3" providerId="LiveId" clId="{96382694-6E7F-4E7C-B45A-E7024A7C0B50}"/>
+    <pc:docChg chg="modSld">
+      <pc:chgData name="Andrei Daniel Ivan" userId="d3c4cde5a19fb9a3" providerId="LiveId" clId="{96382694-6E7F-4E7C-B45A-E7024A7C0B50}" dt="2019-10-18T09:57:25.908" v="0"/>
+      <pc:docMkLst>
+        <pc:docMk/>
+      </pc:docMkLst>
+      <pc:sldChg chg="setBg">
+        <pc:chgData name="Andrei Daniel Ivan" userId="d3c4cde5a19fb9a3" providerId="LiveId" clId="{96382694-6E7F-4E7C-B45A-E7024A7C0B50}" dt="2019-10-18T09:57:25.908" v="0"/>
+        <pc:sldMkLst>
+          <pc:docMk/>
+          <pc:sldMk cId="364308129" sldId="256"/>
+        </pc:sldMkLst>
+      </pc:sldChg>
+    </pc:docChg>
+  </pc:docChgLst>
+  <pc:docChgLst>
     <pc:chgData name="Andrei Daniel Ivan" userId="d3c4cde5a19fb9a3" providerId="LiveId" clId="{5F41118D-A46A-4BCB-B31B-F83832F54457}"/>
     <pc:docChg chg="custSel modSld">
       <pc:chgData name="Andrei Daniel Ivan" userId="d3c4cde5a19fb9a3" providerId="LiveId" clId="{5F41118D-A46A-4BCB-B31B-F83832F54457}" dt="2019-10-17T13:27:09.784" v="283" actId="1076"/>
@@ -201,30 +241,6 @@
             <pc:docMk/>
             <pc:sldMk cId="1889561379" sldId="260"/>
             <ac:spMk id="34" creationId="{4D9E606D-73EC-4A54-9FCE-4DEBEE992671}"/>
-          </ac:spMkLst>
-        </pc:spChg>
-      </pc:sldChg>
-    </pc:docChg>
-  </pc:docChgLst>
-  <pc:docChgLst>
-    <pc:chgData name="Andrei Daniel Ivan" userId="d3c4cde5a19fb9a3" providerId="LiveId" clId="{A6A77833-C58B-4237-AD71-6D723E100C6B}"/>
-    <pc:docChg chg="modSld">
-      <pc:chgData name="Andrei Daniel Ivan" userId="d3c4cde5a19fb9a3" providerId="LiveId" clId="{A6A77833-C58B-4237-AD71-6D723E100C6B}" dt="2019-10-10T12:09:21.282" v="20" actId="20577"/>
-      <pc:docMkLst>
-        <pc:docMk/>
-      </pc:docMkLst>
-      <pc:sldChg chg="modSp">
-        <pc:chgData name="Andrei Daniel Ivan" userId="d3c4cde5a19fb9a3" providerId="LiveId" clId="{A6A77833-C58B-4237-AD71-6D723E100C6B}" dt="2019-10-10T12:09:21.282" v="20" actId="20577"/>
-        <pc:sldMkLst>
-          <pc:docMk/>
-          <pc:sldMk cId="2242395889" sldId="257"/>
-        </pc:sldMkLst>
-        <pc:spChg chg="mod">
-          <ac:chgData name="Andrei Daniel Ivan" userId="d3c4cde5a19fb9a3" providerId="LiveId" clId="{A6A77833-C58B-4237-AD71-6D723E100C6B}" dt="2019-10-10T12:09:21.282" v="20" actId="20577"/>
-          <ac:spMkLst>
-            <pc:docMk/>
-            <pc:sldMk cId="2242395889" sldId="257"/>
-            <ac:spMk id="4" creationId="{A372732A-5502-4218-941E-F135920541BB}"/>
           </ac:spMkLst>
         </pc:spChg>
       </pc:sldChg>
@@ -406,22 +422,6 @@
             <ac:spMk id="4" creationId="{53201F81-8510-4C74-BAB4-1DBFEB2D3B79}"/>
           </ac:spMkLst>
         </pc:spChg>
-      </pc:sldChg>
-    </pc:docChg>
-  </pc:docChgLst>
-  <pc:docChgLst>
-    <pc:chgData name="Andrei Daniel Ivan" userId="d3c4cde5a19fb9a3" providerId="LiveId" clId="{96382694-6E7F-4E7C-B45A-E7024A7C0B50}"/>
-    <pc:docChg chg="modSld">
-      <pc:chgData name="Andrei Daniel Ivan" userId="d3c4cde5a19fb9a3" providerId="LiveId" clId="{96382694-6E7F-4E7C-B45A-E7024A7C0B50}" dt="2019-10-18T09:57:25.908" v="0"/>
-      <pc:docMkLst>
-        <pc:docMk/>
-      </pc:docMkLst>
-      <pc:sldChg chg="setBg">
-        <pc:chgData name="Andrei Daniel Ivan" userId="d3c4cde5a19fb9a3" providerId="LiveId" clId="{96382694-6E7F-4E7C-B45A-E7024A7C0B50}" dt="2019-10-18T09:57:25.908" v="0"/>
-        <pc:sldMkLst>
-          <pc:docMk/>
-          <pc:sldMk cId="364308129" sldId="256"/>
-        </pc:sldMkLst>
       </pc:sldChg>
     </pc:docChg>
   </pc:docChgLst>
@@ -3929,7 +3929,7 @@
     <p:bg>
       <p:bgPr>
         <a:solidFill>
-          <a:srgbClr val="2A2A2A"/>
+          <a:schemeClr val="bg1"/>
         </a:solidFill>
         <a:effectLst/>
       </p:bgPr>
@@ -3948,6 +3948,41 @@
           <a:chExt cx="0" cy="0"/>
         </a:xfrm>
       </p:grpSpPr>
+      <p:pic>
+        <p:nvPicPr>
+          <p:cNvPr id="3" name="Immagine 2">
+            <a:extLst>
+              <a:ext uri="{FF2B5EF4-FFF2-40B4-BE49-F238E27FC236}">
+                <a16:creationId xmlns:a16="http://schemas.microsoft.com/office/drawing/2014/main" id="{DCB52082-DF24-4E63-8D8C-E5CE1EB03AC9}"/>
+              </a:ext>
+            </a:extLst>
+          </p:cNvPr>
+          <p:cNvPicPr>
+            <a:picLocks noChangeAspect="1"/>
+          </p:cNvPicPr>
+          <p:nvPr/>
+        </p:nvPicPr>
+        <p:blipFill rotWithShape="1">
+          <a:blip r:embed="rId2">
+            <a:extLst>
+              <a:ext uri="{28A0092B-C50C-407E-A947-70E740481C1C}">
+                <a14:useLocalDpi xmlns:a14="http://schemas.microsoft.com/office/drawing/2010/main" val="0"/>
+              </a:ext>
+            </a:extLst>
+          </a:blip>
+          <a:srcRect/>
+          <a:stretch/>
+        </p:blipFill>
+        <p:spPr>
+          <a:xfrm>
+            <a:off x="0" y="-1"/>
+            <a:ext cx="12192000" cy="6858000"/>
+          </a:xfrm>
+          <a:prstGeom prst="rect">
+            <a:avLst/>
+          </a:prstGeom>
+        </p:spPr>
+      </p:pic>
       <p:sp>
         <p:nvSpPr>
           <p:cNvPr id="4" name="Segnaposto numero diapositiva 3">
@@ -3964,25 +3999,56 @@
             <p:ph type="sldNum" sz="quarter" idx="12"/>
           </p:nvPr>
         </p:nvSpPr>
-        <p:spPr/>
+        <p:spPr>
+          <a:xfrm>
+            <a:off x="8610600" y="6356350"/>
+            <a:ext cx="2743200" cy="365125"/>
+          </a:xfrm>
+        </p:spPr>
         <p:txBody>
-          <a:bodyPr/>
+          <a:bodyPr vert="horz" lIns="91440" tIns="45720" rIns="91440" bIns="45720" rtlCol="0" anchor="ctr">
+            <a:normAutofit/>
+          </a:bodyPr>
           <a:lstStyle/>
           <a:p>
+            <a:pPr defTabSz="914400">
+              <a:spcAft>
+                <a:spcPts val="600"/>
+              </a:spcAft>
+            </a:pPr>
             <a:fld id="{4A6DC286-705F-4A37-A21F-B485E3A29C72}" type="slidenum">
-              <a:rPr lang="it-IT" smtClean="0"/>
+              <a:rPr lang="en-US" sz="1200" kern="1200">
+                <a:solidFill>
+                  <a:srgbClr val="FFFFFF"/>
+                </a:solidFill>
+                <a:latin typeface="+mn-lt"/>
+                <a:ea typeface="+mn-ea"/>
+                <a:cs typeface="+mn-cs"/>
+              </a:rPr>
+              <a:pPr defTabSz="914400">
+                <a:spcAft>
+                  <a:spcPts val="600"/>
+                </a:spcAft>
+              </a:pPr>
               <a:t>1</a:t>
             </a:fld>
-            <a:endParaRPr lang="it-IT"/>
+            <a:endParaRPr lang="en-US" sz="1200" kern="1200">
+              <a:solidFill>
+                <a:srgbClr val="FFFFFF"/>
+              </a:solidFill>
+              <a:latin typeface="+mn-lt"/>
+              <a:ea typeface="+mn-ea"/>
+              <a:cs typeface="+mn-cs"/>
+            </a:endParaRPr>
           </a:p>
         </p:txBody>
       </p:sp>
       <p:sp>
         <p:nvSpPr>
-          <p:cNvPr id="5" name="CasellaDiTesto 4">
+          <p:cNvPr id="7" name="CasellaDiTesto 6">
             <a:extLst>
               <a:ext uri="{FF2B5EF4-FFF2-40B4-BE49-F238E27FC236}">
-                <a16:creationId xmlns:a16="http://schemas.microsoft.com/office/drawing/2014/main" id="{AF4C979D-48FA-48C1-9A79-05AB92BF776F}"/>
+                <a16:creationId xmlns:a16="http://schemas.microsoft.com/office/drawing/2014/main" id="{226F8118-E137-4F80-8E49-D6F670C09A00}"/>
               </a:ext>
             </a:extLst>
           </p:cNvPr>
@@ -3991,8 +4057,8 @@
         </p:nvSpPr>
         <p:spPr>
           <a:xfrm>
-            <a:off x="3113713" y="2013228"/>
-            <a:ext cx="5964574" cy="1415772"/>
+            <a:off x="1658679" y="2728808"/>
+            <a:ext cx="5938284" cy="1400383"/>
           </a:xfrm>
           <a:prstGeom prst="rect">
             <a:avLst/>
@@ -4005,6 +4071,7 @@
           </a:bodyPr>
           <a:lstStyle/>
           <a:p>
+            <a:pPr algn="ctr"/>
             <a:r>
               <a:rPr lang="it-IT" sz="5400" dirty="0">
                 <a:solidFill>
@@ -4016,9 +4083,9 @@
             </a:r>
           </a:p>
           <a:p>
-            <a:pPr algn="just"/>
-            <a:r>
-              <a:rPr lang="it-IT" sz="3200" dirty="0" err="1">
+            <a:pPr algn="ctr"/>
+            <a:r>
+              <a:rPr lang="it-IT" sz="3100" dirty="0" err="1">
                 <a:solidFill>
                   <a:schemeClr val="bg1"/>
                 </a:solidFill>
@@ -4027,7 +4094,7 @@
               <a:t>Socket</a:t>
             </a:r>
             <a:r>
-              <a:rPr lang="it-IT" sz="3200" dirty="0">
+              <a:rPr lang="it-IT" sz="3100" dirty="0">
                 <a:solidFill>
                   <a:schemeClr val="bg1"/>
                 </a:solidFill>
@@ -4040,163 +4107,214 @@
       </p:sp>
       <p:sp>
         <p:nvSpPr>
-          <p:cNvPr id="11" name="Rettangolo 10">
+          <p:cNvPr id="9" name="CasellaDiTesto 8">
             <a:extLst>
               <a:ext uri="{FF2B5EF4-FFF2-40B4-BE49-F238E27FC236}">
-                <a16:creationId xmlns:a16="http://schemas.microsoft.com/office/drawing/2014/main" id="{2CA7E5E3-6EED-40E0-89CA-15C0F512F2E0}"/>
+                <a16:creationId xmlns:a16="http://schemas.microsoft.com/office/drawing/2014/main" id="{EC8F2BF1-6BFB-4A6E-8EF3-1DFDD8C0355B}"/>
               </a:ext>
             </a:extLst>
           </p:cNvPr>
-          <p:cNvSpPr/>
+          <p:cNvSpPr txBox="1"/>
           <p:nvPr/>
         </p:nvSpPr>
         <p:spPr>
           <a:xfrm>
-            <a:off x="1607890" y="3601958"/>
-            <a:ext cx="8976220" cy="647066"/>
+            <a:off x="8397203" y="2318416"/>
+            <a:ext cx="1623650" cy="338554"/>
           </a:xfrm>
           <a:prstGeom prst="rect">
             <a:avLst/>
           </a:prstGeom>
-          <a:solidFill>
-            <a:schemeClr val="accent6">
-              <a:lumMod val="75000"/>
-            </a:schemeClr>
-          </a:solidFill>
-          <a:ln>
-            <a:noFill/>
-          </a:ln>
+          <a:noFill/>
         </p:spPr>
-        <p:style>
-          <a:lnRef idx="2">
-            <a:schemeClr val="accent1">
-              <a:shade val="50000"/>
-            </a:schemeClr>
-          </a:lnRef>
-          <a:fillRef idx="1">
-            <a:schemeClr val="accent1"/>
-          </a:fillRef>
-          <a:effectRef idx="0">
-            <a:schemeClr val="accent1"/>
-          </a:effectRef>
-          <a:fontRef idx="minor">
-            <a:schemeClr val="lt1"/>
-          </a:fontRef>
-        </p:style>
         <p:txBody>
-          <a:bodyPr rtlCol="0" anchor="ctr"/>
+          <a:bodyPr wrap="none" rtlCol="0">
+            <a:spAutoFit/>
+          </a:bodyPr>
           <a:lstStyle/>
           <a:p>
-            <a:pPr algn="ctr"/>
-            <a:r>
-              <a:rPr lang="it-IT" sz="1700" dirty="0">
+            <a:r>
+              <a:rPr lang="it-IT" sz="1600" dirty="0">
                 <a:latin typeface="Avenir Next LT Pro Light" panose="020B0304020202020204" pitchFamily="34" charset="0"/>
               </a:rPr>
-              <a:t>Bernardi Daniel </a:t>
-            </a:r>
-            <a:r>
-              <a:rPr lang="it-IT" sz="1700" dirty="0">
-                <a:solidFill>
-                  <a:schemeClr val="tx1"/>
-                </a:solidFill>
+              <a:t>Bernardi Daniel</a:t>
+            </a:r>
+          </a:p>
+        </p:txBody>
+      </p:sp>
+      <p:sp>
+        <p:nvSpPr>
+          <p:cNvPr id="10" name="CasellaDiTesto 9">
+            <a:extLst>
+              <a:ext uri="{FF2B5EF4-FFF2-40B4-BE49-F238E27FC236}">
+                <a16:creationId xmlns:a16="http://schemas.microsoft.com/office/drawing/2014/main" id="{701C24A6-256C-4917-B043-CC2716AD0CAD}"/>
+              </a:ext>
+            </a:extLst>
+          </p:cNvPr>
+          <p:cNvSpPr txBox="1"/>
+          <p:nvPr/>
+        </p:nvSpPr>
+        <p:spPr>
+          <a:xfrm>
+            <a:off x="8389573" y="2797276"/>
+            <a:ext cx="1631280" cy="338554"/>
+          </a:xfrm>
+          <a:prstGeom prst="rect">
+            <a:avLst/>
+          </a:prstGeom>
+          <a:noFill/>
+        </p:spPr>
+        <p:txBody>
+          <a:bodyPr wrap="none" rtlCol="0">
+            <a:spAutoFit/>
+          </a:bodyPr>
+          <a:lstStyle/>
+          <a:p>
+            <a:r>
+              <a:rPr lang="it-IT" sz="1600" dirty="0" err="1">
                 <a:latin typeface="Avenir Next LT Pro Light" panose="020B0304020202020204" pitchFamily="34" charset="0"/>
               </a:rPr>
-              <a:t>-</a:t>
-            </a:r>
-            <a:r>
-              <a:rPr lang="it-IT" sz="1700" dirty="0">
+              <a:t>Chichifoi</a:t>
+            </a:r>
+            <a:r>
+              <a:rPr lang="it-IT" sz="1600" dirty="0">
                 <a:latin typeface="Avenir Next LT Pro Light" panose="020B0304020202020204" pitchFamily="34" charset="0"/>
               </a:rPr>
+              <a:t> Karina</a:t>
+            </a:r>
+          </a:p>
+        </p:txBody>
+      </p:sp>
+      <p:sp>
+        <p:nvSpPr>
+          <p:cNvPr id="13" name="CasellaDiTesto 12">
+            <a:extLst>
+              <a:ext uri="{FF2B5EF4-FFF2-40B4-BE49-F238E27FC236}">
+                <a16:creationId xmlns:a16="http://schemas.microsoft.com/office/drawing/2014/main" id="{508436F6-7454-4158-BECC-87C5AC8F9E74}"/>
+              </a:ext>
+            </a:extLst>
+          </p:cNvPr>
+          <p:cNvSpPr txBox="1"/>
+          <p:nvPr/>
+        </p:nvSpPr>
+        <p:spPr>
+          <a:xfrm>
+            <a:off x="8389573" y="3274245"/>
+            <a:ext cx="1230530" cy="338554"/>
+          </a:xfrm>
+          <a:prstGeom prst="rect">
+            <a:avLst/>
+          </a:prstGeom>
+          <a:noFill/>
+        </p:spPr>
+        <p:txBody>
+          <a:bodyPr wrap="none" rtlCol="0">
+            <a:spAutoFit/>
+          </a:bodyPr>
+          <a:lstStyle/>
+          <a:p>
+            <a:r>
+              <a:rPr lang="it-IT" sz="1600" dirty="0" err="1">
+                <a:latin typeface="Avenir Next LT Pro Light" panose="020B0304020202020204" pitchFamily="34" charset="0"/>
+              </a:rPr>
+              <a:t>Gjura</a:t>
+            </a:r>
+            <a:r>
+              <a:rPr lang="it-IT" sz="1600" dirty="0">
+                <a:latin typeface="Avenir Next LT Pro Light" panose="020B0304020202020204" pitchFamily="34" charset="0"/>
+              </a:rPr>
               <a:t> </a:t>
             </a:r>
             <a:r>
-              <a:rPr lang="it-IT" sz="1700" dirty="0" err="1">
+              <a:rPr lang="it-IT" sz="1600" dirty="0" err="1">
                 <a:latin typeface="Avenir Next LT Pro Light" panose="020B0304020202020204" pitchFamily="34" charset="0"/>
               </a:rPr>
-              <a:t>Chichifoi</a:t>
-            </a:r>
-            <a:r>
-              <a:rPr lang="it-IT" sz="1700" dirty="0">
+              <a:t>Endri</a:t>
+            </a:r>
+            <a:endParaRPr lang="it-IT" sz="1600" dirty="0">
+              <a:latin typeface="Avenir Next LT Pro Light" panose="020B0304020202020204" pitchFamily="34" charset="0"/>
+            </a:endParaRPr>
+          </a:p>
+        </p:txBody>
+      </p:sp>
+      <p:sp>
+        <p:nvSpPr>
+          <p:cNvPr id="15" name="CasellaDiTesto 14">
+            <a:extLst>
+              <a:ext uri="{FF2B5EF4-FFF2-40B4-BE49-F238E27FC236}">
+                <a16:creationId xmlns:a16="http://schemas.microsoft.com/office/drawing/2014/main" id="{A6BD8CF3-DA4B-41FD-94F3-BE566F8463CC}"/>
+              </a:ext>
+            </a:extLst>
+          </p:cNvPr>
+          <p:cNvSpPr txBox="1"/>
+          <p:nvPr/>
+        </p:nvSpPr>
+        <p:spPr>
+          <a:xfrm>
+            <a:off x="8391966" y="3753105"/>
+            <a:ext cx="1878015" cy="338554"/>
+          </a:xfrm>
+          <a:prstGeom prst="rect">
+            <a:avLst/>
+          </a:prstGeom>
+          <a:noFill/>
+        </p:spPr>
+        <p:txBody>
+          <a:bodyPr wrap="none" rtlCol="0">
+            <a:spAutoFit/>
+          </a:bodyPr>
+          <a:lstStyle/>
+          <a:p>
+            <a:r>
+              <a:rPr lang="it-IT" sz="1600" dirty="0">
                 <a:latin typeface="Avenir Next LT Pro Light" panose="020B0304020202020204" pitchFamily="34" charset="0"/>
               </a:rPr>
-              <a:t> Karina </a:t>
-            </a:r>
-            <a:r>
-              <a:rPr lang="it-IT" sz="1700" dirty="0">
-                <a:solidFill>
-                  <a:schemeClr val="tx1"/>
-                </a:solidFill>
+              <a:t>Ivan Andrei Daniel</a:t>
+            </a:r>
+          </a:p>
+        </p:txBody>
+      </p:sp>
+      <p:sp>
+        <p:nvSpPr>
+          <p:cNvPr id="17" name="CasellaDiTesto 16">
+            <a:extLst>
+              <a:ext uri="{FF2B5EF4-FFF2-40B4-BE49-F238E27FC236}">
+                <a16:creationId xmlns:a16="http://schemas.microsoft.com/office/drawing/2014/main" id="{EAEBCA93-AE92-4A80-9CFB-F8926833BAFB}"/>
+              </a:ext>
+            </a:extLst>
+          </p:cNvPr>
+          <p:cNvSpPr txBox="1"/>
+          <p:nvPr/>
+        </p:nvSpPr>
+        <p:spPr>
+          <a:xfrm>
+            <a:off x="8389573" y="4228183"/>
+            <a:ext cx="2083584" cy="338554"/>
+          </a:xfrm>
+          <a:prstGeom prst="rect">
+            <a:avLst/>
+          </a:prstGeom>
+          <a:noFill/>
+        </p:spPr>
+        <p:txBody>
+          <a:bodyPr wrap="none" rtlCol="0">
+            <a:spAutoFit/>
+          </a:bodyPr>
+          <a:lstStyle/>
+          <a:p>
+            <a:r>
+              <a:rPr lang="it-IT" sz="1600" dirty="0">
                 <a:latin typeface="Avenir Next LT Pro Light" panose="020B0304020202020204" pitchFamily="34" charset="0"/>
               </a:rPr>
-              <a:t>-</a:t>
-            </a:r>
-            <a:r>
-              <a:rPr lang="it-IT" sz="1700" dirty="0">
+              <a:t>Pizzini Cavagna </a:t>
+            </a:r>
+            <a:r>
+              <a:rPr lang="it-IT" sz="1600" dirty="0" err="1">
                 <a:latin typeface="Avenir Next LT Pro Light" panose="020B0304020202020204" pitchFamily="34" charset="0"/>
               </a:rPr>
-              <a:t> </a:t>
-            </a:r>
-            <a:r>
-              <a:rPr lang="it-IT" sz="1700" dirty="0" err="1">
-                <a:latin typeface="Avenir Next LT Pro Light" panose="020B0304020202020204" pitchFamily="34" charset="0"/>
-              </a:rPr>
-              <a:t>Gjura</a:t>
-            </a:r>
-            <a:r>
-              <a:rPr lang="it-IT" sz="1700" dirty="0">
-                <a:latin typeface="Avenir Next LT Pro Light" panose="020B0304020202020204" pitchFamily="34" charset="0"/>
-              </a:rPr>
-              <a:t> </a:t>
-            </a:r>
-            <a:r>
-              <a:rPr lang="it-IT" sz="1700" dirty="0" err="1">
-                <a:latin typeface="Avenir Next LT Pro Light" panose="020B0304020202020204" pitchFamily="34" charset="0"/>
-              </a:rPr>
-              <a:t>Endri</a:t>
-            </a:r>
-            <a:r>
-              <a:rPr lang="it-IT" sz="1700" dirty="0">
-                <a:latin typeface="Avenir Next LT Pro Light" panose="020B0304020202020204" pitchFamily="34" charset="0"/>
-              </a:rPr>
-              <a:t> </a:t>
-            </a:r>
-            <a:r>
-              <a:rPr lang="it-IT" sz="1700" dirty="0">
-                <a:solidFill>
-                  <a:schemeClr val="tx1"/>
-                </a:solidFill>
-                <a:latin typeface="Avenir Next LT Pro Light" panose="020B0304020202020204" pitchFamily="34" charset="0"/>
-              </a:rPr>
-              <a:t>-</a:t>
-            </a:r>
-            <a:r>
-              <a:rPr lang="it-IT" sz="1700" dirty="0">
-                <a:latin typeface="Avenir Next LT Pro Light" panose="020B0304020202020204" pitchFamily="34" charset="0"/>
-              </a:rPr>
-              <a:t> Ivan Andrei Daniel </a:t>
-            </a:r>
-            <a:r>
-              <a:rPr lang="it-IT" sz="1700" dirty="0">
-                <a:solidFill>
-                  <a:schemeClr val="tx1"/>
-                </a:solidFill>
-                <a:latin typeface="Avenir Next LT Pro Light" panose="020B0304020202020204" pitchFamily="34" charset="0"/>
-              </a:rPr>
-              <a:t>-</a:t>
-            </a:r>
-            <a:r>
-              <a:rPr lang="it-IT" sz="1700" dirty="0">
-                <a:latin typeface="Avenir Next LT Pro Light" panose="020B0304020202020204" pitchFamily="34" charset="0"/>
-              </a:rPr>
-              <a:t> Pizzini Cavagna </a:t>
-            </a:r>
-            <a:r>
-              <a:rPr lang="it-IT" sz="1700" dirty="0" err="1">
-                <a:latin typeface="Avenir Next LT Pro Light" panose="020B0304020202020204" pitchFamily="34" charset="0"/>
-              </a:rPr>
               <a:t>Hiari</a:t>
             </a:r>
-            <a:endParaRPr lang="it-IT" sz="1700" dirty="0">
+            <a:endParaRPr lang="it-IT" sz="1600" dirty="0">
               <a:latin typeface="Avenir Next LT Pro Light" panose="020B0304020202020204" pitchFamily="34" charset="0"/>
             </a:endParaRPr>
           </a:p>
